--- a/papers/data-intensive-bio/Presentation/sharath_LBRN_ppt.pptx
+++ b/papers/data-intensive-bio/Presentation/sharath_LBRN_ppt.pptx
@@ -19,14 +19,22 @@
     <p:sldMasterId id="2147483741" r:id="rId15"/>
   </p:sldMasterIdLst>
   <p:notesMasterIdLst>
-    <p:notesMasterId r:id="rId21"/>
+    <p:notesMasterId r:id="rId29"/>
   </p:notesMasterIdLst>
   <p:sldIdLst>
     <p:sldId id="293" r:id="rId16"/>
     <p:sldId id="294" r:id="rId17"/>
-    <p:sldId id="313" r:id="rId18"/>
-    <p:sldId id="311" r:id="rId19"/>
-    <p:sldId id="314" r:id="rId20"/>
+    <p:sldId id="311" r:id="rId18"/>
+    <p:sldId id="317" r:id="rId19"/>
+    <p:sldId id="315" r:id="rId20"/>
+    <p:sldId id="314" r:id="rId21"/>
+    <p:sldId id="319" r:id="rId22"/>
+    <p:sldId id="316" r:id="rId23"/>
+    <p:sldId id="318" r:id="rId24"/>
+    <p:sldId id="321" r:id="rId25"/>
+    <p:sldId id="320" r:id="rId26"/>
+    <p:sldId id="323" r:id="rId27"/>
+    <p:sldId id="322" r:id="rId28"/>
   </p:sldIdLst>
   <p:sldSz cx="9144000" cy="6858000" type="screen4x3"/>
   <p:notesSz cx="6858000" cy="9144000"/>
@@ -28966,6 +28974,222 @@
 </p:sld>
 </file>
 
+<file path=ppt/slides/slide10.xml><?xml version="1.0" encoding="utf-8"?>
+<p:sld xmlns:a="http://schemas.openxmlformats.org/drawingml/2006/main" xmlns:r="http://schemas.openxmlformats.org/officeDocument/2006/relationships" xmlns:p="http://schemas.openxmlformats.org/presentationml/2006/main">
+  <p:cSld>
+    <p:spTree>
+      <p:nvGrpSpPr>
+        <p:cNvPr id="1" name=""/>
+        <p:cNvGrpSpPr/>
+        <p:nvPr/>
+      </p:nvGrpSpPr>
+      <p:grpSpPr>
+        <a:xfrm>
+          <a:off x="0" y="0"/>
+          <a:ext cx="0" cy="0"/>
+          <a:chOff x="0" y="0"/>
+          <a:chExt cx="0" cy="0"/>
+        </a:xfrm>
+      </p:grpSpPr>
+      <p:pic>
+        <p:nvPicPr>
+          <p:cNvPr id="5" name="Picture 4"/>
+          <p:cNvPicPr>
+            <a:picLocks noChangeAspect="1"/>
+          </p:cNvPicPr>
+          <p:nvPr/>
+        </p:nvPicPr>
+        <p:blipFill>
+          <a:blip r:embed="rId2"/>
+          <a:stretch>
+            <a:fillRect/>
+          </a:stretch>
+        </p:blipFill>
+        <p:spPr>
+          <a:xfrm>
+            <a:off x="0" y="1120792"/>
+            <a:ext cx="9144000" cy="5257003"/>
+          </a:xfrm>
+          <a:prstGeom prst="rect">
+            <a:avLst/>
+          </a:prstGeom>
+        </p:spPr>
+      </p:pic>
+    </p:spTree>
+    <p:extLst>
+      <p:ext uri="{BB962C8B-B14F-4D97-AF65-F5344CB8AC3E}">
+        <p14:creationId xmlns:p14="http://schemas.microsoft.com/office/powerpoint/2010/main" val="1434002598"/>
+      </p:ext>
+    </p:extLst>
+  </p:cSld>
+  <p:clrMapOvr>
+    <a:masterClrMapping/>
+  </p:clrMapOvr>
+</p:sld>
+</file>
+
+<file path=ppt/slides/slide11.xml><?xml version="1.0" encoding="utf-8"?>
+<p:sld xmlns:a="http://schemas.openxmlformats.org/drawingml/2006/main" xmlns:r="http://schemas.openxmlformats.org/officeDocument/2006/relationships" xmlns:p="http://schemas.openxmlformats.org/presentationml/2006/main">
+  <p:cSld>
+    <p:spTree>
+      <p:nvGrpSpPr>
+        <p:cNvPr id="1" name=""/>
+        <p:cNvGrpSpPr/>
+        <p:nvPr/>
+      </p:nvGrpSpPr>
+      <p:grpSpPr>
+        <a:xfrm>
+          <a:off x="0" y="0"/>
+          <a:ext cx="0" cy="0"/>
+          <a:chOff x="0" y="0"/>
+          <a:chExt cx="0" cy="0"/>
+        </a:xfrm>
+      </p:grpSpPr>
+      <p:pic>
+        <p:nvPicPr>
+          <p:cNvPr id="4" name="Picture 3"/>
+          <p:cNvPicPr>
+            <a:picLocks noChangeAspect="1"/>
+          </p:cNvPicPr>
+          <p:nvPr/>
+        </p:nvPicPr>
+        <p:blipFill>
+          <a:blip r:embed="rId2"/>
+          <a:stretch>
+            <a:fillRect/>
+          </a:stretch>
+        </p:blipFill>
+        <p:spPr>
+          <a:xfrm>
+            <a:off x="0" y="1184802"/>
+            <a:ext cx="9144000" cy="5229704"/>
+          </a:xfrm>
+          <a:prstGeom prst="rect">
+            <a:avLst/>
+          </a:prstGeom>
+        </p:spPr>
+      </p:pic>
+    </p:spTree>
+    <p:extLst>
+      <p:ext uri="{BB962C8B-B14F-4D97-AF65-F5344CB8AC3E}">
+        <p14:creationId xmlns:p14="http://schemas.microsoft.com/office/powerpoint/2010/main" val="149176235"/>
+      </p:ext>
+    </p:extLst>
+  </p:cSld>
+  <p:clrMapOvr>
+    <a:masterClrMapping/>
+  </p:clrMapOvr>
+</p:sld>
+</file>
+
+<file path=ppt/slides/slide12.xml><?xml version="1.0" encoding="utf-8"?>
+<p:sld xmlns:a="http://schemas.openxmlformats.org/drawingml/2006/main" xmlns:r="http://schemas.openxmlformats.org/officeDocument/2006/relationships" xmlns:p="http://schemas.openxmlformats.org/presentationml/2006/main">
+  <p:cSld>
+    <p:spTree>
+      <p:nvGrpSpPr>
+        <p:cNvPr id="1" name=""/>
+        <p:cNvGrpSpPr/>
+        <p:nvPr/>
+      </p:nvGrpSpPr>
+      <p:grpSpPr>
+        <a:xfrm>
+          <a:off x="0" y="0"/>
+          <a:ext cx="0" cy="0"/>
+          <a:chOff x="0" y="0"/>
+          <a:chExt cx="0" cy="0"/>
+        </a:xfrm>
+      </p:grpSpPr>
+      <p:pic>
+        <p:nvPicPr>
+          <p:cNvPr id="5" name="Picture 4"/>
+          <p:cNvPicPr>
+            <a:picLocks noChangeAspect="1"/>
+          </p:cNvPicPr>
+          <p:nvPr/>
+        </p:nvPicPr>
+        <p:blipFill>
+          <a:blip r:embed="rId2"/>
+          <a:stretch>
+            <a:fillRect/>
+          </a:stretch>
+        </p:blipFill>
+        <p:spPr>
+          <a:xfrm>
+            <a:off x="0" y="1184675"/>
+            <a:ext cx="9144000" cy="5186054"/>
+          </a:xfrm>
+          <a:prstGeom prst="rect">
+            <a:avLst/>
+          </a:prstGeom>
+        </p:spPr>
+      </p:pic>
+    </p:spTree>
+    <p:extLst>
+      <p:ext uri="{BB962C8B-B14F-4D97-AF65-F5344CB8AC3E}">
+        <p14:creationId xmlns:p14="http://schemas.microsoft.com/office/powerpoint/2010/main" val="3919842396"/>
+      </p:ext>
+    </p:extLst>
+  </p:cSld>
+  <p:clrMapOvr>
+    <a:masterClrMapping/>
+  </p:clrMapOvr>
+</p:sld>
+</file>
+
+<file path=ppt/slides/slide13.xml><?xml version="1.0" encoding="utf-8"?>
+<p:sld xmlns:a="http://schemas.openxmlformats.org/drawingml/2006/main" xmlns:r="http://schemas.openxmlformats.org/officeDocument/2006/relationships" xmlns:p="http://schemas.openxmlformats.org/presentationml/2006/main">
+  <p:cSld>
+    <p:spTree>
+      <p:nvGrpSpPr>
+        <p:cNvPr id="1" name=""/>
+        <p:cNvGrpSpPr/>
+        <p:nvPr/>
+      </p:nvGrpSpPr>
+      <p:grpSpPr>
+        <a:xfrm>
+          <a:off x="0" y="0"/>
+          <a:ext cx="0" cy="0"/>
+          <a:chOff x="0" y="0"/>
+          <a:chExt cx="0" cy="0"/>
+        </a:xfrm>
+      </p:grpSpPr>
+      <p:pic>
+        <p:nvPicPr>
+          <p:cNvPr id="4" name="Picture 3"/>
+          <p:cNvPicPr>
+            <a:picLocks noChangeAspect="1"/>
+          </p:cNvPicPr>
+          <p:nvPr/>
+        </p:nvPicPr>
+        <p:blipFill>
+          <a:blip r:embed="rId2"/>
+          <a:stretch>
+            <a:fillRect/>
+          </a:stretch>
+        </p:blipFill>
+        <p:spPr>
+          <a:xfrm>
+            <a:off x="0" y="1300124"/>
+            <a:ext cx="9144000" cy="5204162"/>
+          </a:xfrm>
+          <a:prstGeom prst="rect">
+            <a:avLst/>
+          </a:prstGeom>
+        </p:spPr>
+      </p:pic>
+    </p:spTree>
+    <p:extLst>
+      <p:ext uri="{BB962C8B-B14F-4D97-AF65-F5344CB8AC3E}">
+        <p14:creationId xmlns:p14="http://schemas.microsoft.com/office/powerpoint/2010/main" val="345504465"/>
+      </p:ext>
+    </p:extLst>
+  </p:cSld>
+  <p:clrMapOvr>
+    <a:masterClrMapping/>
+  </p:clrMapOvr>
+</p:sld>
+</file>
+
 <file path=ppt/slides/slide2.xml><?xml version="1.0" encoding="utf-8"?>
 <p:sld xmlns:a="http://schemas.openxmlformats.org/drawingml/2006/main" xmlns:r="http://schemas.openxmlformats.org/officeDocument/2006/relationships" xmlns:p="http://schemas.openxmlformats.org/presentationml/2006/main">
   <p:cSld>
@@ -29025,11 +29249,7 @@
           <a:p>
             <a:r>
               <a:rPr lang="en-US" sz="2800" b="1" dirty="0" smtClean="0"/>
-              <a:t>DARE</a:t>
-            </a:r>
-            <a:r>
-              <a:rPr lang="en-US" sz="2800" b="1" dirty="0" smtClean="0"/>
-              <a:t>-NGS : Demo (Sharath Maddineni)</a:t>
+              <a:t>DARE-NGS : Demo (Sharath Maddineni)</a:t>
             </a:r>
           </a:p>
           <a:p>
@@ -29219,22 +29439,17 @@
             <p:ph type="title"/>
           </p:nvPr>
         </p:nvSpPr>
-        <p:spPr>
-          <a:xfrm>
-            <a:off x="1" y="539826"/>
-            <a:ext cx="8913813" cy="792651"/>
-          </a:xfrm>
-        </p:spPr>
+        <p:spPr/>
         <p:txBody>
           <a:bodyPr/>
           <a:lstStyle/>
           <a:p>
             <a:r>
-              <a:rPr lang="en-US" dirty="0" smtClean="0"/>
+              <a:rPr lang="en-US" dirty="0"/>
               <a:t>DARE-NGS with </a:t>
             </a:r>
             <a:r>
-              <a:rPr lang="en-US" dirty="0" err="1" smtClean="0"/>
+              <a:rPr lang="en-US" dirty="0" err="1"/>
               <a:t>CHiP-Seq</a:t>
             </a:r>
             <a:endParaRPr lang="en-US" dirty="0"/>
@@ -29251,12 +29466,7 @@
             <p:ph idx="1"/>
           </p:nvPr>
         </p:nvSpPr>
-        <p:spPr>
-          <a:xfrm>
-            <a:off x="457200" y="1417638"/>
-            <a:ext cx="8229600" cy="4708525"/>
-          </a:xfrm>
-        </p:spPr>
+        <p:spPr/>
         <p:txBody>
           <a:bodyPr>
             <a:normAutofit/>
@@ -29279,12 +29489,6 @@
             <a:endParaRPr lang="en-US" dirty="0"/>
           </a:p>
           <a:p>
-            <a:pPr marL="457200" lvl="1" indent="0">
-              <a:buNone/>
-            </a:pPr>
-            <a:endParaRPr lang="en-US" dirty="0"/>
-          </a:p>
-          <a:p>
             <a:r>
               <a:rPr lang="en-US" dirty="0"/>
               <a:t>Login</a:t>
@@ -29322,13 +29526,10 @@
             <a:endParaRPr lang="en-US" dirty="0"/>
           </a:p>
           <a:p>
-            <a:pPr marL="457200" lvl="1" indent="0">
-              <a:buNone/>
-            </a:pPr>
+            <a:pPr lvl="1"/>
             <a:endParaRPr lang="en-US" dirty="0"/>
           </a:p>
           <a:p>
-            <a:pPr lvl="1"/>
             <a:endParaRPr lang="en-US" dirty="0"/>
           </a:p>
           <a:p>
@@ -29339,13 +29540,20 @@
     </p:spTree>
     <p:extLst>
       <p:ext uri="{BB962C8B-B14F-4D97-AF65-F5344CB8AC3E}">
-        <p14:creationId xmlns:p14="http://schemas.microsoft.com/office/powerpoint/2010/main" val="1433993891"/>
+        <p14:creationId xmlns:p14="http://schemas.microsoft.com/office/powerpoint/2010/main" val="686536275"/>
       </p:ext>
     </p:extLst>
   </p:cSld>
   <p:clrMapOvr>
     <a:masterClrMapping/>
   </p:clrMapOvr>
+  <p:timing>
+    <p:tnLst>
+      <p:par>
+        <p:cTn xmlns:p14="http://schemas.microsoft.com/office/powerpoint/2010/main" id="1" dur="indefinite" restart="never" nodeType="tmRoot"/>
+      </p:par>
+    </p:tnLst>
+  </p:timing>
 </p:sld>
 </file>
 
@@ -29422,7 +29630,23 @@
             <a:pPr marL="914400" lvl="1" indent="-514350"/>
             <a:r>
               <a:rPr lang="en-US" dirty="0"/>
-              <a:t>CHOOSE REFERENCE GENOME = “Mouse(mm9)”(Drop Down)</a:t>
+              <a:t>CHOOSE REFERENCE GENOME = </a:t>
+            </a:r>
+            <a:r>
+              <a:rPr lang="en-US" dirty="0" smtClean="0"/>
+              <a:t>“C-</a:t>
+            </a:r>
+            <a:r>
+              <a:rPr lang="en-US" dirty="0" err="1" smtClean="0"/>
+              <a:t>elegans</a:t>
+            </a:r>
+            <a:r>
+              <a:rPr lang="en-US" dirty="0" smtClean="0"/>
+              <a:t>”</a:t>
+            </a:r>
+            <a:r>
+              <a:rPr lang="en-US" dirty="0"/>
+              <a:t>(Drop Down)</a:t>
             </a:r>
           </a:p>
           <a:p>
@@ -29518,7 +29742,7 @@
     </p:spTree>
     <p:extLst>
       <p:ext uri="{BB962C8B-B14F-4D97-AF65-F5344CB8AC3E}">
-        <p14:creationId xmlns:p14="http://schemas.microsoft.com/office/powerpoint/2010/main" val="686536275"/>
+        <p14:creationId xmlns:p14="http://schemas.microsoft.com/office/powerpoint/2010/main" val="2168901742"/>
       </p:ext>
     </p:extLst>
   </p:cSld>
@@ -29536,6 +29760,120 @@
 </file>
 
 <file path=ppt/slides/slide5.xml><?xml version="1.0" encoding="utf-8"?>
+<p:sld xmlns:a="http://schemas.openxmlformats.org/drawingml/2006/main" xmlns:r="http://schemas.openxmlformats.org/officeDocument/2006/relationships" xmlns:p="http://schemas.openxmlformats.org/presentationml/2006/main">
+  <p:cSld>
+    <p:spTree>
+      <p:nvGrpSpPr>
+        <p:cNvPr id="1" name=""/>
+        <p:cNvGrpSpPr/>
+        <p:nvPr/>
+      </p:nvGrpSpPr>
+      <p:grpSpPr>
+        <a:xfrm>
+          <a:off x="0" y="0"/>
+          <a:ext cx="0" cy="0"/>
+          <a:chOff x="0" y="0"/>
+          <a:chExt cx="0" cy="0"/>
+        </a:xfrm>
+      </p:grpSpPr>
+      <p:sp>
+        <p:nvSpPr>
+          <p:cNvPr id="2" name="Title 1"/>
+          <p:cNvSpPr>
+            <a:spLocks noGrp="1"/>
+          </p:cNvSpPr>
+          <p:nvPr>
+            <p:ph type="title"/>
+          </p:nvPr>
+        </p:nvSpPr>
+        <p:spPr/>
+        <p:txBody>
+          <a:bodyPr/>
+          <a:lstStyle/>
+          <a:p>
+            <a:r>
+              <a:rPr lang="en-US" dirty="0" smtClean="0"/>
+              <a:t>Demo Cont...</a:t>
+            </a:r>
+            <a:endParaRPr lang="en-US" dirty="0"/>
+          </a:p>
+        </p:txBody>
+      </p:sp>
+      <p:sp>
+        <p:nvSpPr>
+          <p:cNvPr id="3" name="Content Placeholder 2"/>
+          <p:cNvSpPr>
+            <a:spLocks noGrp="1"/>
+          </p:cNvSpPr>
+          <p:nvPr>
+            <p:ph idx="1"/>
+          </p:nvPr>
+        </p:nvSpPr>
+        <p:spPr/>
+        <p:txBody>
+          <a:bodyPr/>
+          <a:lstStyle/>
+          <a:p>
+            <a:r>
+              <a:rPr lang="en-US" dirty="0" smtClean="0"/>
+              <a:t>Go </a:t>
+            </a:r>
+            <a:r>
+              <a:rPr lang="en-US" dirty="0" smtClean="0"/>
+              <a:t>to Job 19 in 2</a:t>
+            </a:r>
+            <a:r>
+              <a:rPr lang="en-US" baseline="30000" dirty="0" smtClean="0"/>
+              <a:t>nd</a:t>
+            </a:r>
+            <a:r>
+              <a:rPr lang="en-US" dirty="0" smtClean="0"/>
+              <a:t> page</a:t>
+            </a:r>
+          </a:p>
+          <a:p>
+            <a:r>
+              <a:rPr lang="en-US" dirty="0" smtClean="0"/>
+              <a:t>Download the BED file</a:t>
+            </a:r>
+          </a:p>
+          <a:p>
+            <a:r>
+              <a:rPr lang="en-US" dirty="0" smtClean="0"/>
+              <a:t>Go to External URL and hit custom tracks</a:t>
+            </a:r>
+          </a:p>
+          <a:p>
+            <a:r>
+              <a:rPr lang="en-US" dirty="0" smtClean="0"/>
+              <a:t>Upload BED file</a:t>
+            </a:r>
+          </a:p>
+          <a:p>
+            <a:r>
+              <a:rPr lang="en-US" dirty="0" smtClean="0"/>
+              <a:t>Go to view and zoom out</a:t>
+            </a:r>
+          </a:p>
+          <a:p>
+            <a:endParaRPr lang="en-US" dirty="0"/>
+          </a:p>
+        </p:txBody>
+      </p:sp>
+    </p:spTree>
+    <p:extLst>
+      <p:ext uri="{BB962C8B-B14F-4D97-AF65-F5344CB8AC3E}">
+        <p14:creationId xmlns:p14="http://schemas.microsoft.com/office/powerpoint/2010/main" val="4037252305"/>
+      </p:ext>
+    </p:extLst>
+  </p:cSld>
+  <p:clrMapOvr>
+    <a:masterClrMapping/>
+  </p:clrMapOvr>
+</p:sld>
+</file>
+
+<file path=ppt/slides/slide6.xml><?xml version="1.0" encoding="utf-8"?>
 <p:sld xmlns:a="http://schemas.openxmlformats.org/drawingml/2006/main" xmlns:r="http://schemas.openxmlformats.org/officeDocument/2006/relationships" xmlns:p="http://schemas.openxmlformats.org/presentationml/2006/main">
   <p:cSld>
     <p:spTree>
@@ -29580,6 +29918,168 @@
     <p:extLst>
       <p:ext uri="{BB962C8B-B14F-4D97-AF65-F5344CB8AC3E}">
         <p14:creationId xmlns:p14="http://schemas.microsoft.com/office/powerpoint/2010/main" val="2790867343"/>
+      </p:ext>
+    </p:extLst>
+  </p:cSld>
+  <p:clrMapOvr>
+    <a:masterClrMapping/>
+  </p:clrMapOvr>
+</p:sld>
+</file>
+
+<file path=ppt/slides/slide7.xml><?xml version="1.0" encoding="utf-8"?>
+<p:sld xmlns:a="http://schemas.openxmlformats.org/drawingml/2006/main" xmlns:r="http://schemas.openxmlformats.org/officeDocument/2006/relationships" xmlns:p="http://schemas.openxmlformats.org/presentationml/2006/main">
+  <p:cSld>
+    <p:spTree>
+      <p:nvGrpSpPr>
+        <p:cNvPr id="1" name=""/>
+        <p:cNvGrpSpPr/>
+        <p:nvPr/>
+      </p:nvGrpSpPr>
+      <p:grpSpPr>
+        <a:xfrm>
+          <a:off x="0" y="0"/>
+          <a:ext cx="0" cy="0"/>
+          <a:chOff x="0" y="0"/>
+          <a:chExt cx="0" cy="0"/>
+        </a:xfrm>
+      </p:grpSpPr>
+      <p:pic>
+        <p:nvPicPr>
+          <p:cNvPr id="4" name="Picture 3"/>
+          <p:cNvPicPr>
+            <a:picLocks noChangeAspect="1"/>
+          </p:cNvPicPr>
+          <p:nvPr/>
+        </p:nvPicPr>
+        <p:blipFill>
+          <a:blip r:embed="rId2"/>
+          <a:stretch>
+            <a:fillRect/>
+          </a:stretch>
+        </p:blipFill>
+        <p:spPr>
+          <a:xfrm>
+            <a:off x="0" y="1223158"/>
+            <a:ext cx="9144000" cy="5192418"/>
+          </a:xfrm>
+          <a:prstGeom prst="rect">
+            <a:avLst/>
+          </a:prstGeom>
+        </p:spPr>
+      </p:pic>
+    </p:spTree>
+    <p:extLst>
+      <p:ext uri="{BB962C8B-B14F-4D97-AF65-F5344CB8AC3E}">
+        <p14:creationId xmlns:p14="http://schemas.microsoft.com/office/powerpoint/2010/main" val="3664082136"/>
+      </p:ext>
+    </p:extLst>
+  </p:cSld>
+  <p:clrMapOvr>
+    <a:masterClrMapping/>
+  </p:clrMapOvr>
+</p:sld>
+</file>
+
+<file path=ppt/slides/slide8.xml><?xml version="1.0" encoding="utf-8"?>
+<p:sld xmlns:a="http://schemas.openxmlformats.org/drawingml/2006/main" xmlns:r="http://schemas.openxmlformats.org/officeDocument/2006/relationships" xmlns:p="http://schemas.openxmlformats.org/presentationml/2006/main">
+  <p:cSld>
+    <p:spTree>
+      <p:nvGrpSpPr>
+        <p:cNvPr id="1" name=""/>
+        <p:cNvGrpSpPr/>
+        <p:nvPr/>
+      </p:nvGrpSpPr>
+      <p:grpSpPr>
+        <a:xfrm>
+          <a:off x="0" y="0"/>
+          <a:ext cx="0" cy="0"/>
+          <a:chOff x="0" y="0"/>
+          <a:chExt cx="0" cy="0"/>
+        </a:xfrm>
+      </p:grpSpPr>
+      <p:pic>
+        <p:nvPicPr>
+          <p:cNvPr id="4" name="Picture 3"/>
+          <p:cNvPicPr>
+            <a:picLocks noChangeAspect="1"/>
+          </p:cNvPicPr>
+          <p:nvPr/>
+        </p:nvPicPr>
+        <p:blipFill>
+          <a:blip r:embed="rId2"/>
+          <a:stretch>
+            <a:fillRect/>
+          </a:stretch>
+        </p:blipFill>
+        <p:spPr>
+          <a:xfrm>
+            <a:off x="1" y="1249037"/>
+            <a:ext cx="9144000" cy="5236960"/>
+          </a:xfrm>
+          <a:prstGeom prst="rect">
+            <a:avLst/>
+          </a:prstGeom>
+        </p:spPr>
+      </p:pic>
+    </p:spTree>
+    <p:extLst>
+      <p:ext uri="{BB962C8B-B14F-4D97-AF65-F5344CB8AC3E}">
+        <p14:creationId xmlns:p14="http://schemas.microsoft.com/office/powerpoint/2010/main" val="995021385"/>
+      </p:ext>
+    </p:extLst>
+  </p:cSld>
+  <p:clrMapOvr>
+    <a:masterClrMapping/>
+  </p:clrMapOvr>
+</p:sld>
+</file>
+
+<file path=ppt/slides/slide9.xml><?xml version="1.0" encoding="utf-8"?>
+<p:sld xmlns:a="http://schemas.openxmlformats.org/drawingml/2006/main" xmlns:r="http://schemas.openxmlformats.org/officeDocument/2006/relationships" xmlns:p="http://schemas.openxmlformats.org/presentationml/2006/main">
+  <p:cSld>
+    <p:spTree>
+      <p:nvGrpSpPr>
+        <p:cNvPr id="1" name=""/>
+        <p:cNvGrpSpPr/>
+        <p:nvPr/>
+      </p:nvGrpSpPr>
+      <p:grpSpPr>
+        <a:xfrm>
+          <a:off x="0" y="0"/>
+          <a:ext cx="0" cy="0"/>
+          <a:chOff x="0" y="0"/>
+          <a:chExt cx="0" cy="0"/>
+        </a:xfrm>
+      </p:grpSpPr>
+      <p:pic>
+        <p:nvPicPr>
+          <p:cNvPr id="2" name="Picture 1"/>
+          <p:cNvPicPr>
+            <a:picLocks noChangeAspect="1"/>
+          </p:cNvPicPr>
+          <p:nvPr/>
+        </p:nvPicPr>
+        <p:blipFill>
+          <a:blip r:embed="rId2"/>
+          <a:stretch>
+            <a:fillRect/>
+          </a:stretch>
+        </p:blipFill>
+        <p:spPr>
+          <a:xfrm>
+            <a:off x="0" y="1213274"/>
+            <a:ext cx="9144000" cy="5234240"/>
+          </a:xfrm>
+          <a:prstGeom prst="rect">
+            <a:avLst/>
+          </a:prstGeom>
+        </p:spPr>
+      </p:pic>
+    </p:spTree>
+    <p:extLst>
+      <p:ext uri="{BB962C8B-B14F-4D97-AF65-F5344CB8AC3E}">
+        <p14:creationId xmlns:p14="http://schemas.microsoft.com/office/powerpoint/2010/main" val="3069581632"/>
       </p:ext>
     </p:extLst>
   </p:cSld>
